--- a/TeamProjectPPT-Derek Update.pptx
+++ b/TeamProjectPPT-Derek Update.pptx
@@ -15,6 +15,9 @@
     <p:sldId id="264" r:id="rId9"/>
     <p:sldId id="265" r:id="rId10"/>
     <p:sldId id="266" r:id="rId11"/>
+    <p:sldId id="267" r:id="rId12"/>
+    <p:sldId id="268" r:id="rId13"/>
+    <p:sldId id="269" r:id="rId14"/>
   </p:sldIdLst>
   <p:sldSz cx="12192000" cy="6858000"/>
   <p:notesSz cx="6858000" cy="9144000"/>
@@ -2994,7 +2997,7 @@
         </p:spPr>
         <p:txBody>
           <a:bodyPr>
-            <a:normAutofit fontScale="90000"/>
+            <a:normAutofit/>
           </a:bodyPr>
           <a:lstStyle/>
           <a:p>
@@ -3211,6 +3214,240 @@
     <p:extLst>
       <p:ext uri="{BB962C8B-B14F-4D97-AF65-F5344CB8AC3E}">
         <p14:creationId xmlns:p14="http://schemas.microsoft.com/office/powerpoint/2010/main" val="792271978"/>
+      </p:ext>
+    </p:extLst>
+  </p:cSld>
+  <p:clrMapOvr>
+    <a:masterClrMapping/>
+  </p:clrMapOvr>
+</p:sld>
+</file>
+
+<file path=ppt/slides/slide11.xml><?xml version="1.0" encoding="utf-8"?>
+<p:sld xmlns:a="http://schemas.openxmlformats.org/drawingml/2006/main" xmlns:r="http://schemas.openxmlformats.org/officeDocument/2006/relationships" xmlns:p="http://schemas.openxmlformats.org/presentationml/2006/main">
+  <p:cSld>
+    <p:spTree>
+      <p:nvGrpSpPr>
+        <p:cNvPr id="1" name=""/>
+        <p:cNvGrpSpPr/>
+        <p:nvPr/>
+      </p:nvGrpSpPr>
+      <p:grpSpPr>
+        <a:xfrm>
+          <a:off x="0" y="0"/>
+          <a:ext cx="0" cy="0"/>
+          <a:chOff x="0" y="0"/>
+          <a:chExt cx="0" cy="0"/>
+        </a:xfrm>
+      </p:grpSpPr>
+      <p:pic>
+        <p:nvPicPr>
+          <p:cNvPr id="3" name="Picture 2" descr="Chart, box and whisker chart&#10;&#10;Description automatically generated">
+            <a:extLst>
+              <a:ext uri="{FF2B5EF4-FFF2-40B4-BE49-F238E27FC236}">
+                <a16:creationId xmlns:a16="http://schemas.microsoft.com/office/drawing/2014/main" id="{2C04CFB4-7277-6A20-C460-844DCFF6F73E}"/>
+              </a:ext>
+            </a:extLst>
+          </p:cNvPr>
+          <p:cNvPicPr>
+            <a:picLocks noChangeAspect="1"/>
+          </p:cNvPicPr>
+          <p:nvPr/>
+        </p:nvPicPr>
+        <p:blipFill>
+          <a:blip r:embed="rId2">
+            <a:extLst>
+              <a:ext uri="{28A0092B-C50C-407E-A947-70E740481C1C}">
+                <a14:useLocalDpi xmlns:a14="http://schemas.microsoft.com/office/drawing/2010/main" val="0"/>
+              </a:ext>
+            </a:extLst>
+          </a:blip>
+          <a:stretch>
+            <a:fillRect/>
+          </a:stretch>
+        </p:blipFill>
+        <p:spPr>
+          <a:xfrm>
+            <a:off x="620191" y="527464"/>
+            <a:ext cx="7250041" cy="5248496"/>
+          </a:xfrm>
+          <a:prstGeom prst="rect">
+            <a:avLst/>
+          </a:prstGeom>
+        </p:spPr>
+      </p:pic>
+    </p:spTree>
+    <p:extLst>
+      <p:ext uri="{BB962C8B-B14F-4D97-AF65-F5344CB8AC3E}">
+        <p14:creationId xmlns:p14="http://schemas.microsoft.com/office/powerpoint/2010/main" val="30221457"/>
+      </p:ext>
+    </p:extLst>
+  </p:cSld>
+  <p:clrMapOvr>
+    <a:masterClrMapping/>
+  </p:clrMapOvr>
+</p:sld>
+</file>
+
+<file path=ppt/slides/slide12.xml><?xml version="1.0" encoding="utf-8"?>
+<p:sld xmlns:a="http://schemas.openxmlformats.org/drawingml/2006/main" xmlns:r="http://schemas.openxmlformats.org/officeDocument/2006/relationships" xmlns:p="http://schemas.openxmlformats.org/presentationml/2006/main">
+  <p:cSld>
+    <p:spTree>
+      <p:nvGrpSpPr>
+        <p:cNvPr id="1" name=""/>
+        <p:cNvGrpSpPr/>
+        <p:nvPr/>
+      </p:nvGrpSpPr>
+      <p:grpSpPr>
+        <a:xfrm>
+          <a:off x="0" y="0"/>
+          <a:ext cx="0" cy="0"/>
+          <a:chOff x="0" y="0"/>
+          <a:chExt cx="0" cy="0"/>
+        </a:xfrm>
+      </p:grpSpPr>
+      <p:pic>
+        <p:nvPicPr>
+          <p:cNvPr id="11" name="Picture 10" descr="Chart, box and whisker chart&#10;&#10;Description automatically generated">
+            <a:extLst>
+              <a:ext uri="{FF2B5EF4-FFF2-40B4-BE49-F238E27FC236}">
+                <a16:creationId xmlns:a16="http://schemas.microsoft.com/office/drawing/2014/main" id="{AB4C5956-CBA8-1B11-4B8F-EA53AAF9D20D}"/>
+              </a:ext>
+            </a:extLst>
+          </p:cNvPr>
+          <p:cNvPicPr>
+            <a:picLocks noChangeAspect="1"/>
+          </p:cNvPicPr>
+          <p:nvPr/>
+        </p:nvPicPr>
+        <p:blipFill>
+          <a:blip r:embed="rId2">
+            <a:extLst>
+              <a:ext uri="{28A0092B-C50C-407E-A947-70E740481C1C}">
+                <a14:useLocalDpi xmlns:a14="http://schemas.microsoft.com/office/drawing/2010/main" val="0"/>
+              </a:ext>
+            </a:extLst>
+          </a:blip>
+          <a:stretch>
+            <a:fillRect/>
+          </a:stretch>
+        </p:blipFill>
+        <p:spPr>
+          <a:xfrm>
+            <a:off x="1059661" y="1152143"/>
+            <a:ext cx="7695238" cy="4050793"/>
+          </a:xfrm>
+          <a:prstGeom prst="rect">
+            <a:avLst/>
+          </a:prstGeom>
+        </p:spPr>
+      </p:pic>
+    </p:spTree>
+    <p:extLst>
+      <p:ext uri="{BB962C8B-B14F-4D97-AF65-F5344CB8AC3E}">
+        <p14:creationId xmlns:p14="http://schemas.microsoft.com/office/powerpoint/2010/main" val="1361819096"/>
+      </p:ext>
+    </p:extLst>
+  </p:cSld>
+  <p:clrMapOvr>
+    <a:masterClrMapping/>
+  </p:clrMapOvr>
+</p:sld>
+</file>
+
+<file path=ppt/slides/slide13.xml><?xml version="1.0" encoding="utf-8"?>
+<p:sld xmlns:a="http://schemas.openxmlformats.org/drawingml/2006/main" xmlns:r="http://schemas.openxmlformats.org/officeDocument/2006/relationships" xmlns:p="http://schemas.openxmlformats.org/presentationml/2006/main">
+  <p:cSld>
+    <p:spTree>
+      <p:nvGrpSpPr>
+        <p:cNvPr id="1" name=""/>
+        <p:cNvGrpSpPr/>
+        <p:nvPr/>
+      </p:nvGrpSpPr>
+      <p:grpSpPr>
+        <a:xfrm>
+          <a:off x="0" y="0"/>
+          <a:ext cx="0" cy="0"/>
+          <a:chOff x="0" y="0"/>
+          <a:chExt cx="0" cy="0"/>
+        </a:xfrm>
+      </p:grpSpPr>
+      <p:pic>
+        <p:nvPicPr>
+          <p:cNvPr id="3" name="Picture 2" descr="Chart, scatter chart&#10;&#10;Description automatically generated">
+            <a:extLst>
+              <a:ext uri="{FF2B5EF4-FFF2-40B4-BE49-F238E27FC236}">
+                <a16:creationId xmlns:a16="http://schemas.microsoft.com/office/drawing/2014/main" id="{92CE3AB2-DEEF-B570-C552-B6766D95F1DD}"/>
+              </a:ext>
+            </a:extLst>
+          </p:cNvPr>
+          <p:cNvPicPr>
+            <a:picLocks noChangeAspect="1"/>
+          </p:cNvPicPr>
+          <p:nvPr/>
+        </p:nvPicPr>
+        <p:blipFill>
+          <a:blip r:embed="rId2">
+            <a:extLst>
+              <a:ext uri="{28A0092B-C50C-407E-A947-70E740481C1C}">
+                <a14:useLocalDpi xmlns:a14="http://schemas.microsoft.com/office/drawing/2010/main" val="0"/>
+              </a:ext>
+            </a:extLst>
+          </a:blip>
+          <a:stretch>
+            <a:fillRect/>
+          </a:stretch>
+        </p:blipFill>
+        <p:spPr>
+          <a:xfrm>
+            <a:off x="5369863" y="1122900"/>
+            <a:ext cx="4850793" cy="3530159"/>
+          </a:xfrm>
+          <a:prstGeom prst="rect">
+            <a:avLst/>
+          </a:prstGeom>
+        </p:spPr>
+      </p:pic>
+      <p:pic>
+        <p:nvPicPr>
+          <p:cNvPr id="5" name="Picture 4" descr="Chart, scatter chart&#10;&#10;Description automatically generated">
+            <a:extLst>
+              <a:ext uri="{FF2B5EF4-FFF2-40B4-BE49-F238E27FC236}">
+                <a16:creationId xmlns:a16="http://schemas.microsoft.com/office/drawing/2014/main" id="{F1BAA88F-D0A1-A211-1B46-A41B2D91AB83}"/>
+              </a:ext>
+            </a:extLst>
+          </p:cNvPr>
+          <p:cNvPicPr>
+            <a:picLocks noChangeAspect="1"/>
+          </p:cNvPicPr>
+          <p:nvPr/>
+        </p:nvPicPr>
+        <p:blipFill>
+          <a:blip r:embed="rId3">
+            <a:extLst>
+              <a:ext uri="{28A0092B-C50C-407E-A947-70E740481C1C}">
+                <a14:useLocalDpi xmlns:a14="http://schemas.microsoft.com/office/drawing/2010/main" val="0"/>
+              </a:ext>
+            </a:extLst>
+          </a:blip>
+          <a:stretch>
+            <a:fillRect/>
+          </a:stretch>
+        </p:blipFill>
+        <p:spPr>
+          <a:xfrm>
+            <a:off x="151439" y="1122899"/>
+            <a:ext cx="4939682" cy="3530159"/>
+          </a:xfrm>
+          <a:prstGeom prst="rect">
+            <a:avLst/>
+          </a:prstGeom>
+        </p:spPr>
+      </p:pic>
+    </p:spTree>
+    <p:extLst>
+      <p:ext uri="{BB962C8B-B14F-4D97-AF65-F5344CB8AC3E}">
+        <p14:creationId xmlns:p14="http://schemas.microsoft.com/office/powerpoint/2010/main" val="3893342040"/>
       </p:ext>
     </p:extLst>
   </p:cSld>
